--- a/课程/3/3.pptx
+++ b/课程/3/3.pptx
@@ -666,7 +666,7 @@
           <a:p>
             <a:fld id="{530820CF-B880-4189-942D-D702A7CBA730}" type="datetimeFigureOut">
               <a:rPr lang="zh-CN" altLang="en-US" smtClean="0"/>
-              <a:t>2021/7/7</a:t>
+              <a:t>2022/6/24</a:t>
             </a:fld>
             <a:endParaRPr lang="zh-CN" altLang="en-US"/>
           </a:p>
@@ -1065,7 +1065,7 @@
           <a:p>
             <a:fld id="{530820CF-B880-4189-942D-D702A7CBA730}" type="datetimeFigureOut">
               <a:rPr lang="zh-CN" altLang="en-US" smtClean="0"/>
-              <a:t>2021/7/7</a:t>
+              <a:t>2022/6/24</a:t>
             </a:fld>
             <a:endParaRPr lang="zh-CN" altLang="en-US"/>
           </a:p>
@@ -1325,7 +1325,7 @@
           <a:p>
             <a:fld id="{530820CF-B880-4189-942D-D702A7CBA730}" type="datetimeFigureOut">
               <a:rPr lang="zh-CN" altLang="en-US" smtClean="0"/>
-              <a:t>2021/7/7</a:t>
+              <a:t>2022/6/24</a:t>
             </a:fld>
             <a:endParaRPr lang="zh-CN" altLang="en-US"/>
           </a:p>
@@ -1877,7 +1877,7 @@
           <a:p>
             <a:fld id="{530820CF-B880-4189-942D-D702A7CBA730}" type="datetimeFigureOut">
               <a:rPr lang="zh-CN" altLang="en-US" smtClean="0"/>
-              <a:t>2021/7/7</a:t>
+              <a:t>2022/6/24</a:t>
             </a:fld>
             <a:endParaRPr lang="zh-CN" altLang="en-US"/>
           </a:p>
@@ -2137,7 +2137,7 @@
           <a:p>
             <a:fld id="{530820CF-B880-4189-942D-D702A7CBA730}" type="datetimeFigureOut">
               <a:rPr lang="zh-CN" altLang="en-US" smtClean="0"/>
-              <a:t>2021/7/7</a:t>
+              <a:t>2022/6/24</a:t>
             </a:fld>
             <a:endParaRPr lang="zh-CN" altLang="en-US"/>
           </a:p>
@@ -2681,7 +2681,7 @@
           <a:p>
             <a:fld id="{530820CF-B880-4189-942D-D702A7CBA730}" type="datetimeFigureOut">
               <a:rPr lang="zh-CN" altLang="en-US" smtClean="0"/>
-              <a:t>2021/7/7</a:t>
+              <a:t>2022/6/24</a:t>
             </a:fld>
             <a:endParaRPr lang="zh-CN" altLang="en-US"/>
           </a:p>
@@ -2990,7 +2990,7 @@
           <a:p>
             <a:fld id="{530820CF-B880-4189-942D-D702A7CBA730}" type="datetimeFigureOut">
               <a:rPr lang="zh-CN" altLang="en-US" smtClean="0"/>
-              <a:t>2021/7/7</a:t>
+              <a:t>2022/6/24</a:t>
             </a:fld>
             <a:endParaRPr lang="zh-CN" altLang="en-US"/>
           </a:p>
@@ -3176,7 +3176,7 @@
           <a:p>
             <a:fld id="{530820CF-B880-4189-942D-D702A7CBA730}" type="datetimeFigureOut">
               <a:rPr lang="zh-CN" altLang="en-US" smtClean="0"/>
-              <a:t>2021/7/7</a:t>
+              <a:t>2022/6/24</a:t>
             </a:fld>
             <a:endParaRPr lang="zh-CN" altLang="en-US"/>
           </a:p>
@@ -3368,7 +3368,7 @@
           <a:p>
             <a:fld id="{530820CF-B880-4189-942D-D702A7CBA730}" type="datetimeFigureOut">
               <a:rPr lang="zh-CN" altLang="en-US" smtClean="0"/>
-              <a:t>2021/7/7</a:t>
+              <a:t>2022/6/24</a:t>
             </a:fld>
             <a:endParaRPr lang="zh-CN" altLang="en-US"/>
           </a:p>
@@ -3565,7 +3565,7 @@
           <a:p>
             <a:fld id="{530820CF-B880-4189-942D-D702A7CBA730}" type="datetimeFigureOut">
               <a:rPr lang="zh-CN" altLang="en-US" smtClean="0"/>
-              <a:t>2021/7/7</a:t>
+              <a:t>2022/6/24</a:t>
             </a:fld>
             <a:endParaRPr lang="zh-CN" altLang="en-US"/>
           </a:p>
@@ -3833,7 +3833,7 @@
           <a:p>
             <a:fld id="{530820CF-B880-4189-942D-D702A7CBA730}" type="datetimeFigureOut">
               <a:rPr lang="zh-CN" altLang="en-US" smtClean="0"/>
-              <a:t>2021/7/7</a:t>
+              <a:t>2022/6/24</a:t>
             </a:fld>
             <a:endParaRPr lang="zh-CN" altLang="en-US"/>
           </a:p>
@@ -4147,7 +4147,7 @@
           <a:p>
             <a:fld id="{530820CF-B880-4189-942D-D702A7CBA730}" type="datetimeFigureOut">
               <a:rPr lang="zh-CN" altLang="en-US" smtClean="0"/>
-              <a:t>2021/7/7</a:t>
+              <a:t>2022/6/24</a:t>
             </a:fld>
             <a:endParaRPr lang="zh-CN" altLang="en-US"/>
           </a:p>
@@ -4601,7 +4601,7 @@
           <a:p>
             <a:fld id="{530820CF-B880-4189-942D-D702A7CBA730}" type="datetimeFigureOut">
               <a:rPr lang="zh-CN" altLang="en-US" smtClean="0"/>
-              <a:t>2021/7/7</a:t>
+              <a:t>2022/6/24</a:t>
             </a:fld>
             <a:endParaRPr lang="zh-CN" altLang="en-US"/>
           </a:p>
@@ -4731,7 +4731,7 @@
           <a:p>
             <a:fld id="{530820CF-B880-4189-942D-D702A7CBA730}" type="datetimeFigureOut">
               <a:rPr lang="zh-CN" altLang="en-US" smtClean="0"/>
-              <a:t>2021/7/7</a:t>
+              <a:t>2022/6/24</a:t>
             </a:fld>
             <a:endParaRPr lang="zh-CN" altLang="en-US"/>
           </a:p>
@@ -4838,7 +4838,7 @@
           <a:p>
             <a:fld id="{530820CF-B880-4189-942D-D702A7CBA730}" type="datetimeFigureOut">
               <a:rPr lang="zh-CN" altLang="en-US" smtClean="0"/>
-              <a:t>2021/7/7</a:t>
+              <a:t>2022/6/24</a:t>
             </a:fld>
             <a:endParaRPr lang="zh-CN" altLang="en-US"/>
           </a:p>
@@ -5133,7 +5133,7 @@
           <a:p>
             <a:fld id="{530820CF-B880-4189-942D-D702A7CBA730}" type="datetimeFigureOut">
               <a:rPr lang="zh-CN" altLang="en-US" smtClean="0"/>
-              <a:t>2021/7/7</a:t>
+              <a:t>2022/6/24</a:t>
             </a:fld>
             <a:endParaRPr lang="zh-CN" altLang="en-US"/>
           </a:p>
@@ -5436,7 +5436,7 @@
           <a:p>
             <a:fld id="{530820CF-B880-4189-942D-D702A7CBA730}" type="datetimeFigureOut">
               <a:rPr lang="zh-CN" altLang="en-US" smtClean="0"/>
-              <a:t>2021/7/7</a:t>
+              <a:t>2022/6/24</a:t>
             </a:fld>
             <a:endParaRPr lang="zh-CN" altLang="en-US"/>
           </a:p>
@@ -5972,7 +5972,7 @@
           <a:p>
             <a:fld id="{530820CF-B880-4189-942D-D702A7CBA730}" type="datetimeFigureOut">
               <a:rPr lang="zh-CN" altLang="en-US" smtClean="0"/>
-              <a:t>2021/7/7</a:t>
+              <a:t>2022/6/24</a:t>
             </a:fld>
             <a:endParaRPr lang="zh-CN" altLang="en-US"/>
           </a:p>
@@ -6538,7 +6538,7 @@
             <a:pPr algn="ctr"/>
             <a:r>
               <a:rPr lang="en-US" altLang="zh-CN" b="1" dirty="0"/>
-              <a:t>2021</a:t>
+              <a:t>2022</a:t>
             </a:r>
             <a:r>
               <a:rPr lang="zh-CN" altLang="en-US" b="1" dirty="0"/>
@@ -6606,6 +6606,36 @@
           </a:p>
         </p:txBody>
       </p:sp>
+      <p:pic>
+        <p:nvPicPr>
+          <p:cNvPr id="4" name="图片 3">
+            <a:extLst>
+              <a:ext uri="{FF2B5EF4-FFF2-40B4-BE49-F238E27FC236}">
+                <a16:creationId xmlns:a16="http://schemas.microsoft.com/office/drawing/2014/main" id="{9F8B955B-3E67-DFC3-3B01-5F2478313162}"/>
+              </a:ext>
+            </a:extLst>
+          </p:cNvPr>
+          <p:cNvPicPr>
+            <a:picLocks noChangeAspect="1"/>
+          </p:cNvPicPr>
+          <p:nvPr/>
+        </p:nvPicPr>
+        <p:blipFill>
+          <a:blip r:embed="rId2"/>
+          <a:stretch>
+            <a:fillRect/>
+          </a:stretch>
+        </p:blipFill>
+        <p:spPr>
+          <a:xfrm>
+            <a:off x="6877686" y="7620"/>
+            <a:ext cx="3772535" cy="673100"/>
+          </a:xfrm>
+          <a:prstGeom prst="rect">
+            <a:avLst/>
+          </a:prstGeom>
+        </p:spPr>
+      </p:pic>
     </p:spTree>
   </p:cSld>
   <p:clrMapOvr>
@@ -6810,6 +6840,36 @@
           </a:p>
         </p:txBody>
       </p:sp>
+      <p:pic>
+        <p:nvPicPr>
+          <p:cNvPr id="9" name="图片 8">
+            <a:extLst>
+              <a:ext uri="{FF2B5EF4-FFF2-40B4-BE49-F238E27FC236}">
+                <a16:creationId xmlns:a16="http://schemas.microsoft.com/office/drawing/2014/main" id="{7376A1B9-10F8-8AD4-C27A-F02065A6D285}"/>
+              </a:ext>
+            </a:extLst>
+          </p:cNvPr>
+          <p:cNvPicPr>
+            <a:picLocks noChangeAspect="1"/>
+          </p:cNvPicPr>
+          <p:nvPr/>
+        </p:nvPicPr>
+        <p:blipFill>
+          <a:blip r:embed="rId4"/>
+          <a:stretch>
+            <a:fillRect/>
+          </a:stretch>
+        </p:blipFill>
+        <p:spPr>
+          <a:xfrm>
+            <a:off x="6877686" y="7620"/>
+            <a:ext cx="3772535" cy="673100"/>
+          </a:xfrm>
+          <a:prstGeom prst="rect">
+            <a:avLst/>
+          </a:prstGeom>
+        </p:spPr>
+      </p:pic>
     </p:spTree>
     <p:extLst>
       <p:ext uri="{BB962C8B-B14F-4D97-AF65-F5344CB8AC3E}">
@@ -6951,6 +7011,36 @@
           </a:p>
         </p:txBody>
       </p:sp>
+      <p:pic>
+        <p:nvPicPr>
+          <p:cNvPr id="4" name="图片 3">
+            <a:extLst>
+              <a:ext uri="{FF2B5EF4-FFF2-40B4-BE49-F238E27FC236}">
+                <a16:creationId xmlns:a16="http://schemas.microsoft.com/office/drawing/2014/main" id="{B8FD02D2-A6DA-DF0B-80AD-7AF2AB32A53A}"/>
+              </a:ext>
+            </a:extLst>
+          </p:cNvPr>
+          <p:cNvPicPr>
+            <a:picLocks noChangeAspect="1"/>
+          </p:cNvPicPr>
+          <p:nvPr/>
+        </p:nvPicPr>
+        <p:blipFill>
+          <a:blip r:embed="rId2"/>
+          <a:stretch>
+            <a:fillRect/>
+          </a:stretch>
+        </p:blipFill>
+        <p:spPr>
+          <a:xfrm>
+            <a:off x="6877686" y="7620"/>
+            <a:ext cx="3772535" cy="673100"/>
+          </a:xfrm>
+          <a:prstGeom prst="rect">
+            <a:avLst/>
+          </a:prstGeom>
+        </p:spPr>
+      </p:pic>
     </p:spTree>
     <p:extLst>
       <p:ext uri="{BB962C8B-B14F-4D97-AF65-F5344CB8AC3E}">
@@ -7115,6 +7205,36 @@
           <a:xfrm>
             <a:off x="7662266" y="3429000"/>
             <a:ext cx="3505504" cy="2682472"/>
+          </a:xfrm>
+          <a:prstGeom prst="rect">
+            <a:avLst/>
+          </a:prstGeom>
+        </p:spPr>
+      </p:pic>
+      <p:pic>
+        <p:nvPicPr>
+          <p:cNvPr id="6" name="图片 5">
+            <a:extLst>
+              <a:ext uri="{FF2B5EF4-FFF2-40B4-BE49-F238E27FC236}">
+                <a16:creationId xmlns:a16="http://schemas.microsoft.com/office/drawing/2014/main" id="{B5563E78-D610-28F1-241D-245F6B59EF93}"/>
+              </a:ext>
+            </a:extLst>
+          </p:cNvPr>
+          <p:cNvPicPr>
+            <a:picLocks noChangeAspect="1"/>
+          </p:cNvPicPr>
+          <p:nvPr/>
+        </p:nvPicPr>
+        <p:blipFill>
+          <a:blip r:embed="rId4"/>
+          <a:stretch>
+            <a:fillRect/>
+          </a:stretch>
+        </p:blipFill>
+        <p:spPr>
+          <a:xfrm>
+            <a:off x="6877686" y="7620"/>
+            <a:ext cx="3772535" cy="673100"/>
           </a:xfrm>
           <a:prstGeom prst="rect">
             <a:avLst/>
@@ -7299,6 +7419,36 @@
           </a:p>
         </p:txBody>
       </p:sp>
+      <p:pic>
+        <p:nvPicPr>
+          <p:cNvPr id="4" name="图片 3">
+            <a:extLst>
+              <a:ext uri="{FF2B5EF4-FFF2-40B4-BE49-F238E27FC236}">
+                <a16:creationId xmlns:a16="http://schemas.microsoft.com/office/drawing/2014/main" id="{04C666C6-145C-B5C2-F312-9AD2120255A3}"/>
+              </a:ext>
+            </a:extLst>
+          </p:cNvPr>
+          <p:cNvPicPr>
+            <a:picLocks noChangeAspect="1"/>
+          </p:cNvPicPr>
+          <p:nvPr/>
+        </p:nvPicPr>
+        <p:blipFill>
+          <a:blip r:embed="rId2"/>
+          <a:stretch>
+            <a:fillRect/>
+          </a:stretch>
+        </p:blipFill>
+        <p:spPr>
+          <a:xfrm>
+            <a:off x="6877686" y="7620"/>
+            <a:ext cx="3772535" cy="673100"/>
+          </a:xfrm>
+          <a:prstGeom prst="rect">
+            <a:avLst/>
+          </a:prstGeom>
+        </p:spPr>
+      </p:pic>
     </p:spTree>
     <p:extLst>
       <p:ext uri="{BB962C8B-B14F-4D97-AF65-F5344CB8AC3E}">
@@ -7484,6 +7634,36 @@
           </a:p>
         </p:txBody>
       </p:sp>
+      <p:pic>
+        <p:nvPicPr>
+          <p:cNvPr id="4" name="图片 3">
+            <a:extLst>
+              <a:ext uri="{FF2B5EF4-FFF2-40B4-BE49-F238E27FC236}">
+                <a16:creationId xmlns:a16="http://schemas.microsoft.com/office/drawing/2014/main" id="{E61DA94E-107E-4881-9BE5-8CFA417D7EE6}"/>
+              </a:ext>
+            </a:extLst>
+          </p:cNvPr>
+          <p:cNvPicPr>
+            <a:picLocks noChangeAspect="1"/>
+          </p:cNvPicPr>
+          <p:nvPr/>
+        </p:nvPicPr>
+        <p:blipFill>
+          <a:blip r:embed="rId2"/>
+          <a:stretch>
+            <a:fillRect/>
+          </a:stretch>
+        </p:blipFill>
+        <p:spPr>
+          <a:xfrm>
+            <a:off x="6877686" y="7620"/>
+            <a:ext cx="3772535" cy="673100"/>
+          </a:xfrm>
+          <a:prstGeom prst="rect">
+            <a:avLst/>
+          </a:prstGeom>
+        </p:spPr>
+      </p:pic>
     </p:spTree>
     <p:extLst>
       <p:ext uri="{BB962C8B-B14F-4D97-AF65-F5344CB8AC3E}">
@@ -7590,6 +7770,36 @@
           <a:ln w="9525">
             <a:noFill/>
           </a:ln>
+        </p:spPr>
+      </p:pic>
+      <p:pic>
+        <p:nvPicPr>
+          <p:cNvPr id="5" name="图片 4">
+            <a:extLst>
+              <a:ext uri="{FF2B5EF4-FFF2-40B4-BE49-F238E27FC236}">
+                <a16:creationId xmlns:a16="http://schemas.microsoft.com/office/drawing/2014/main" id="{6441F142-594E-3F9B-4E66-DC840613019D}"/>
+              </a:ext>
+            </a:extLst>
+          </p:cNvPr>
+          <p:cNvPicPr>
+            <a:picLocks noChangeAspect="1"/>
+          </p:cNvPicPr>
+          <p:nvPr/>
+        </p:nvPicPr>
+        <p:blipFill>
+          <a:blip r:embed="rId3"/>
+          <a:stretch>
+            <a:fillRect/>
+          </a:stretch>
+        </p:blipFill>
+        <p:spPr>
+          <a:xfrm>
+            <a:off x="6877686" y="7620"/>
+            <a:ext cx="3772535" cy="673100"/>
+          </a:xfrm>
+          <a:prstGeom prst="rect">
+            <a:avLst/>
+          </a:prstGeom>
         </p:spPr>
       </p:pic>
     </p:spTree>
@@ -9931,6 +10141,36 @@
           </a:graphicData>
         </a:graphic>
       </p:graphicFrame>
+      <p:pic>
+        <p:nvPicPr>
+          <p:cNvPr id="5" name="图片 4">
+            <a:extLst>
+              <a:ext uri="{FF2B5EF4-FFF2-40B4-BE49-F238E27FC236}">
+                <a16:creationId xmlns:a16="http://schemas.microsoft.com/office/drawing/2014/main" id="{7B0958B1-70AF-DDBF-99D1-CC9AFDE0BA74}"/>
+              </a:ext>
+            </a:extLst>
+          </p:cNvPr>
+          <p:cNvPicPr>
+            <a:picLocks noChangeAspect="1"/>
+          </p:cNvPicPr>
+          <p:nvPr/>
+        </p:nvPicPr>
+        <p:blipFill>
+          <a:blip r:embed="rId2"/>
+          <a:stretch>
+            <a:fillRect/>
+          </a:stretch>
+        </p:blipFill>
+        <p:spPr>
+          <a:xfrm>
+            <a:off x="6877686" y="7620"/>
+            <a:ext cx="3772535" cy="673100"/>
+          </a:xfrm>
+          <a:prstGeom prst="rect">
+            <a:avLst/>
+          </a:prstGeom>
+        </p:spPr>
+      </p:pic>
     </p:spTree>
     <p:extLst>
       <p:ext uri="{BB962C8B-B14F-4D97-AF65-F5344CB8AC3E}">
@@ -12231,6 +12471,36 @@
           </a:graphicData>
         </a:graphic>
       </p:graphicFrame>
+      <p:pic>
+        <p:nvPicPr>
+          <p:cNvPr id="5" name="图片 4">
+            <a:extLst>
+              <a:ext uri="{FF2B5EF4-FFF2-40B4-BE49-F238E27FC236}">
+                <a16:creationId xmlns:a16="http://schemas.microsoft.com/office/drawing/2014/main" id="{7F33530F-54C0-4FFA-6CA6-E1B590E3355D}"/>
+              </a:ext>
+            </a:extLst>
+          </p:cNvPr>
+          <p:cNvPicPr>
+            <a:picLocks noChangeAspect="1"/>
+          </p:cNvPicPr>
+          <p:nvPr/>
+        </p:nvPicPr>
+        <p:blipFill>
+          <a:blip r:embed="rId2"/>
+          <a:stretch>
+            <a:fillRect/>
+          </a:stretch>
+        </p:blipFill>
+        <p:spPr>
+          <a:xfrm>
+            <a:off x="6877686" y="7620"/>
+            <a:ext cx="3772535" cy="673100"/>
+          </a:xfrm>
+          <a:prstGeom prst="rect">
+            <a:avLst/>
+          </a:prstGeom>
+        </p:spPr>
+      </p:pic>
     </p:spTree>
     <p:extLst>
       <p:ext uri="{BB962C8B-B14F-4D97-AF65-F5344CB8AC3E}">
@@ -14540,6 +14810,36 @@
           </a:graphicData>
         </a:graphic>
       </p:graphicFrame>
+      <p:pic>
+        <p:nvPicPr>
+          <p:cNvPr id="5" name="图片 4">
+            <a:extLst>
+              <a:ext uri="{FF2B5EF4-FFF2-40B4-BE49-F238E27FC236}">
+                <a16:creationId xmlns:a16="http://schemas.microsoft.com/office/drawing/2014/main" id="{049CDEFA-90FA-A5FB-D41D-8CE1429CC08F}"/>
+              </a:ext>
+            </a:extLst>
+          </p:cNvPr>
+          <p:cNvPicPr>
+            <a:picLocks noChangeAspect="1"/>
+          </p:cNvPicPr>
+          <p:nvPr/>
+        </p:nvPicPr>
+        <p:blipFill>
+          <a:blip r:embed="rId2"/>
+          <a:stretch>
+            <a:fillRect/>
+          </a:stretch>
+        </p:blipFill>
+        <p:spPr>
+          <a:xfrm>
+            <a:off x="6877686" y="7620"/>
+            <a:ext cx="3772535" cy="673100"/>
+          </a:xfrm>
+          <a:prstGeom prst="rect">
+            <a:avLst/>
+          </a:prstGeom>
+        </p:spPr>
+      </p:pic>
     </p:spTree>
     <p:extLst>
       <p:ext uri="{BB962C8B-B14F-4D97-AF65-F5344CB8AC3E}">
@@ -14761,6 +15061,36 @@
           </a:p>
         </p:txBody>
       </p:sp>
+      <p:pic>
+        <p:nvPicPr>
+          <p:cNvPr id="4" name="图片 3">
+            <a:extLst>
+              <a:ext uri="{FF2B5EF4-FFF2-40B4-BE49-F238E27FC236}">
+                <a16:creationId xmlns:a16="http://schemas.microsoft.com/office/drawing/2014/main" id="{741D81E7-E22A-58D7-3227-1B223D4E7761}"/>
+              </a:ext>
+            </a:extLst>
+          </p:cNvPr>
+          <p:cNvPicPr>
+            <a:picLocks noChangeAspect="1"/>
+          </p:cNvPicPr>
+          <p:nvPr/>
+        </p:nvPicPr>
+        <p:blipFill>
+          <a:blip r:embed="rId2"/>
+          <a:stretch>
+            <a:fillRect/>
+          </a:stretch>
+        </p:blipFill>
+        <p:spPr>
+          <a:xfrm>
+            <a:off x="6877686" y="7620"/>
+            <a:ext cx="3772535" cy="673100"/>
+          </a:xfrm>
+          <a:prstGeom prst="rect">
+            <a:avLst/>
+          </a:prstGeom>
+        </p:spPr>
+      </p:pic>
     </p:spTree>
     <p:extLst>
       <p:ext uri="{BB962C8B-B14F-4D97-AF65-F5344CB8AC3E}">
@@ -14897,6 +15227,36 @@
           </a:p>
         </p:txBody>
       </p:sp>
+      <p:pic>
+        <p:nvPicPr>
+          <p:cNvPr id="4" name="图片 3">
+            <a:extLst>
+              <a:ext uri="{FF2B5EF4-FFF2-40B4-BE49-F238E27FC236}">
+                <a16:creationId xmlns:a16="http://schemas.microsoft.com/office/drawing/2014/main" id="{8A8F95FC-6EF1-2B76-C94A-F79F4B18E667}"/>
+              </a:ext>
+            </a:extLst>
+          </p:cNvPr>
+          <p:cNvPicPr>
+            <a:picLocks noChangeAspect="1"/>
+          </p:cNvPicPr>
+          <p:nvPr/>
+        </p:nvPicPr>
+        <p:blipFill>
+          <a:blip r:embed="rId2"/>
+          <a:stretch>
+            <a:fillRect/>
+          </a:stretch>
+        </p:blipFill>
+        <p:spPr>
+          <a:xfrm>
+            <a:off x="6877686" y="7620"/>
+            <a:ext cx="3772535" cy="673100"/>
+          </a:xfrm>
+          <a:prstGeom prst="rect">
+            <a:avLst/>
+          </a:prstGeom>
+        </p:spPr>
+      </p:pic>
     </p:spTree>
     <p:extLst>
       <p:ext uri="{BB962C8B-B14F-4D97-AF65-F5344CB8AC3E}">
@@ -14994,6 +15354,36 @@
           <a:xfrm>
             <a:off x="4530650" y="2667000"/>
             <a:ext cx="3830788" cy="3332163"/>
+          </a:xfrm>
+          <a:prstGeom prst="rect">
+            <a:avLst/>
+          </a:prstGeom>
+        </p:spPr>
+      </p:pic>
+      <p:pic>
+        <p:nvPicPr>
+          <p:cNvPr id="4" name="图片 3">
+            <a:extLst>
+              <a:ext uri="{FF2B5EF4-FFF2-40B4-BE49-F238E27FC236}">
+                <a16:creationId xmlns:a16="http://schemas.microsoft.com/office/drawing/2014/main" id="{319DCE04-67D2-B5A9-A612-AE217323DEC7}"/>
+              </a:ext>
+            </a:extLst>
+          </p:cNvPr>
+          <p:cNvPicPr>
+            <a:picLocks noChangeAspect="1"/>
+          </p:cNvPicPr>
+          <p:nvPr/>
+        </p:nvPicPr>
+        <p:blipFill>
+          <a:blip r:embed="rId3"/>
+          <a:stretch>
+            <a:fillRect/>
+          </a:stretch>
+        </p:blipFill>
+        <p:spPr>
+          <a:xfrm>
+            <a:off x="6877686" y="7620"/>
+            <a:ext cx="3772535" cy="673100"/>
           </a:xfrm>
           <a:prstGeom prst="rect">
             <a:avLst/>
@@ -15281,6 +15671,36 @@
           </a:p>
         </p:txBody>
       </p:sp>
+      <p:pic>
+        <p:nvPicPr>
+          <p:cNvPr id="4" name="图片 3">
+            <a:extLst>
+              <a:ext uri="{FF2B5EF4-FFF2-40B4-BE49-F238E27FC236}">
+                <a16:creationId xmlns:a16="http://schemas.microsoft.com/office/drawing/2014/main" id="{0F5E7D08-FC68-DD44-A96A-4C4769B9E22B}"/>
+              </a:ext>
+            </a:extLst>
+          </p:cNvPr>
+          <p:cNvPicPr>
+            <a:picLocks noChangeAspect="1"/>
+          </p:cNvPicPr>
+          <p:nvPr/>
+        </p:nvPicPr>
+        <p:blipFill>
+          <a:blip r:embed="rId2"/>
+          <a:stretch>
+            <a:fillRect/>
+          </a:stretch>
+        </p:blipFill>
+        <p:spPr>
+          <a:xfrm>
+            <a:off x="6877686" y="7620"/>
+            <a:ext cx="3772535" cy="673100"/>
+          </a:xfrm>
+          <a:prstGeom prst="rect">
+            <a:avLst/>
+          </a:prstGeom>
+        </p:spPr>
+      </p:pic>
     </p:spTree>
     <p:extLst>
       <p:ext uri="{BB962C8B-B14F-4D97-AF65-F5344CB8AC3E}">
@@ -15399,6 +15819,36 @@
           </a:p>
         </p:txBody>
       </p:sp>
+      <p:pic>
+        <p:nvPicPr>
+          <p:cNvPr id="4" name="图片 3">
+            <a:extLst>
+              <a:ext uri="{FF2B5EF4-FFF2-40B4-BE49-F238E27FC236}">
+                <a16:creationId xmlns:a16="http://schemas.microsoft.com/office/drawing/2014/main" id="{7B881A94-C562-5B32-F251-8BB7B81F4D91}"/>
+              </a:ext>
+            </a:extLst>
+          </p:cNvPr>
+          <p:cNvPicPr>
+            <a:picLocks noChangeAspect="1"/>
+          </p:cNvPicPr>
+          <p:nvPr/>
+        </p:nvPicPr>
+        <p:blipFill>
+          <a:blip r:embed="rId2"/>
+          <a:stretch>
+            <a:fillRect/>
+          </a:stretch>
+        </p:blipFill>
+        <p:spPr>
+          <a:xfrm>
+            <a:off x="6877686" y="7620"/>
+            <a:ext cx="3772535" cy="673100"/>
+          </a:xfrm>
+          <a:prstGeom prst="rect">
+            <a:avLst/>
+          </a:prstGeom>
+        </p:spPr>
+      </p:pic>
     </p:spTree>
     <p:extLst>
       <p:ext uri="{BB962C8B-B14F-4D97-AF65-F5344CB8AC3E}">
@@ -15587,6 +16037,36 @@
           </a:p>
         </p:txBody>
       </p:sp>
+      <p:pic>
+        <p:nvPicPr>
+          <p:cNvPr id="4" name="图片 3">
+            <a:extLst>
+              <a:ext uri="{FF2B5EF4-FFF2-40B4-BE49-F238E27FC236}">
+                <a16:creationId xmlns:a16="http://schemas.microsoft.com/office/drawing/2014/main" id="{DA45296F-FBB6-5657-C9C9-44EF06D79B8E}"/>
+              </a:ext>
+            </a:extLst>
+          </p:cNvPr>
+          <p:cNvPicPr>
+            <a:picLocks noChangeAspect="1"/>
+          </p:cNvPicPr>
+          <p:nvPr/>
+        </p:nvPicPr>
+        <p:blipFill>
+          <a:blip r:embed="rId2"/>
+          <a:stretch>
+            <a:fillRect/>
+          </a:stretch>
+        </p:blipFill>
+        <p:spPr>
+          <a:xfrm>
+            <a:off x="6877686" y="7620"/>
+            <a:ext cx="3772535" cy="673100"/>
+          </a:xfrm>
+          <a:prstGeom prst="rect">
+            <a:avLst/>
+          </a:prstGeom>
+        </p:spPr>
+      </p:pic>
     </p:spTree>
     <p:extLst>
       <p:ext uri="{BB962C8B-B14F-4D97-AF65-F5344CB8AC3E}">
@@ -15791,6 +16271,36 @@
           </a:p>
         </p:txBody>
       </p:sp>
+      <p:pic>
+        <p:nvPicPr>
+          <p:cNvPr id="4" name="图片 3">
+            <a:extLst>
+              <a:ext uri="{FF2B5EF4-FFF2-40B4-BE49-F238E27FC236}">
+                <a16:creationId xmlns:a16="http://schemas.microsoft.com/office/drawing/2014/main" id="{3715F579-ECDF-89A6-E92B-FC74207F903B}"/>
+              </a:ext>
+            </a:extLst>
+          </p:cNvPr>
+          <p:cNvPicPr>
+            <a:picLocks noChangeAspect="1"/>
+          </p:cNvPicPr>
+          <p:nvPr/>
+        </p:nvPicPr>
+        <p:blipFill>
+          <a:blip r:embed="rId2"/>
+          <a:stretch>
+            <a:fillRect/>
+          </a:stretch>
+        </p:blipFill>
+        <p:spPr>
+          <a:xfrm>
+            <a:off x="6877686" y="7620"/>
+            <a:ext cx="3772535" cy="673100"/>
+          </a:xfrm>
+          <a:prstGeom prst="rect">
+            <a:avLst/>
+          </a:prstGeom>
+        </p:spPr>
+      </p:pic>
     </p:spTree>
     <p:extLst>
       <p:ext uri="{BB962C8B-B14F-4D97-AF65-F5344CB8AC3E}">
@@ -16010,6 +16520,36 @@
           </a:p>
         </p:txBody>
       </p:sp>
+      <p:pic>
+        <p:nvPicPr>
+          <p:cNvPr id="4" name="图片 3">
+            <a:extLst>
+              <a:ext uri="{FF2B5EF4-FFF2-40B4-BE49-F238E27FC236}">
+                <a16:creationId xmlns:a16="http://schemas.microsoft.com/office/drawing/2014/main" id="{F8C1CCAA-DD82-D321-D052-756D6317393D}"/>
+              </a:ext>
+            </a:extLst>
+          </p:cNvPr>
+          <p:cNvPicPr>
+            <a:picLocks noChangeAspect="1"/>
+          </p:cNvPicPr>
+          <p:nvPr/>
+        </p:nvPicPr>
+        <p:blipFill>
+          <a:blip r:embed="rId2"/>
+          <a:stretch>
+            <a:fillRect/>
+          </a:stretch>
+        </p:blipFill>
+        <p:spPr>
+          <a:xfrm>
+            <a:off x="6877686" y="7620"/>
+            <a:ext cx="3772535" cy="673100"/>
+          </a:xfrm>
+          <a:prstGeom prst="rect">
+            <a:avLst/>
+          </a:prstGeom>
+        </p:spPr>
+      </p:pic>
     </p:spTree>
     <p:extLst>
       <p:ext uri="{BB962C8B-B14F-4D97-AF65-F5344CB8AC3E}">
@@ -16236,6 +16776,36 @@
           </a:p>
         </p:txBody>
       </p:sp>
+      <p:pic>
+        <p:nvPicPr>
+          <p:cNvPr id="4" name="图片 3">
+            <a:extLst>
+              <a:ext uri="{FF2B5EF4-FFF2-40B4-BE49-F238E27FC236}">
+                <a16:creationId xmlns:a16="http://schemas.microsoft.com/office/drawing/2014/main" id="{9AEE19DA-8A7E-9F99-1194-1A31C76A0100}"/>
+              </a:ext>
+            </a:extLst>
+          </p:cNvPr>
+          <p:cNvPicPr>
+            <a:picLocks noChangeAspect="1"/>
+          </p:cNvPicPr>
+          <p:nvPr/>
+        </p:nvPicPr>
+        <p:blipFill>
+          <a:blip r:embed="rId2"/>
+          <a:stretch>
+            <a:fillRect/>
+          </a:stretch>
+        </p:blipFill>
+        <p:spPr>
+          <a:xfrm>
+            <a:off x="6877686" y="7620"/>
+            <a:ext cx="3772535" cy="673100"/>
+          </a:xfrm>
+          <a:prstGeom prst="rect">
+            <a:avLst/>
+          </a:prstGeom>
+        </p:spPr>
+      </p:pic>
     </p:spTree>
     <p:extLst>
       <p:ext uri="{BB962C8B-B14F-4D97-AF65-F5344CB8AC3E}">
@@ -16368,6 +16938,36 @@
           </a:p>
         </p:txBody>
       </p:sp>
+      <p:pic>
+        <p:nvPicPr>
+          <p:cNvPr id="4" name="图片 3">
+            <a:extLst>
+              <a:ext uri="{FF2B5EF4-FFF2-40B4-BE49-F238E27FC236}">
+                <a16:creationId xmlns:a16="http://schemas.microsoft.com/office/drawing/2014/main" id="{168C6697-132C-7F5C-1E43-2A8960A3FE46}"/>
+              </a:ext>
+            </a:extLst>
+          </p:cNvPr>
+          <p:cNvPicPr>
+            <a:picLocks noChangeAspect="1"/>
+          </p:cNvPicPr>
+          <p:nvPr/>
+        </p:nvPicPr>
+        <p:blipFill>
+          <a:blip r:embed="rId2"/>
+          <a:stretch>
+            <a:fillRect/>
+          </a:stretch>
+        </p:blipFill>
+        <p:spPr>
+          <a:xfrm>
+            <a:off x="6877686" y="7620"/>
+            <a:ext cx="3772535" cy="673100"/>
+          </a:xfrm>
+          <a:prstGeom prst="rect">
+            <a:avLst/>
+          </a:prstGeom>
+        </p:spPr>
+      </p:pic>
     </p:spTree>
     <p:extLst>
       <p:ext uri="{BB962C8B-B14F-4D97-AF65-F5344CB8AC3E}">
@@ -16502,6 +17102,36 @@
           <a:xfrm>
             <a:off x="7112310" y="4433008"/>
             <a:ext cx="2737341" cy="1566808"/>
+          </a:xfrm>
+          <a:prstGeom prst="rect">
+            <a:avLst/>
+          </a:prstGeom>
+        </p:spPr>
+      </p:pic>
+      <p:pic>
+        <p:nvPicPr>
+          <p:cNvPr id="6" name="图片 5">
+            <a:extLst>
+              <a:ext uri="{FF2B5EF4-FFF2-40B4-BE49-F238E27FC236}">
+                <a16:creationId xmlns:a16="http://schemas.microsoft.com/office/drawing/2014/main" id="{2A009492-1349-6AF7-566F-FFABF9907FC0}"/>
+              </a:ext>
+            </a:extLst>
+          </p:cNvPr>
+          <p:cNvPicPr>
+            <a:picLocks noChangeAspect="1"/>
+          </p:cNvPicPr>
+          <p:nvPr/>
+        </p:nvPicPr>
+        <p:blipFill>
+          <a:blip r:embed="rId3"/>
+          <a:stretch>
+            <a:fillRect/>
+          </a:stretch>
+        </p:blipFill>
+        <p:spPr>
+          <a:xfrm>
+            <a:off x="6877686" y="7620"/>
+            <a:ext cx="3772535" cy="673100"/>
           </a:xfrm>
           <a:prstGeom prst="rect">
             <a:avLst/>
@@ -16709,6 +17339,36 @@
           </a:p>
         </p:txBody>
       </p:sp>
+      <p:pic>
+        <p:nvPicPr>
+          <p:cNvPr id="9" name="图片 8">
+            <a:extLst>
+              <a:ext uri="{FF2B5EF4-FFF2-40B4-BE49-F238E27FC236}">
+                <a16:creationId xmlns:a16="http://schemas.microsoft.com/office/drawing/2014/main" id="{BB5D6E2C-659C-9BD2-FFF2-56C842B83695}"/>
+              </a:ext>
+            </a:extLst>
+          </p:cNvPr>
+          <p:cNvPicPr>
+            <a:picLocks noChangeAspect="1"/>
+          </p:cNvPicPr>
+          <p:nvPr/>
+        </p:nvPicPr>
+        <p:blipFill>
+          <a:blip r:embed="rId4"/>
+          <a:stretch>
+            <a:fillRect/>
+          </a:stretch>
+        </p:blipFill>
+        <p:spPr>
+          <a:xfrm>
+            <a:off x="6877686" y="7620"/>
+            <a:ext cx="3772535" cy="673100"/>
+          </a:xfrm>
+          <a:prstGeom prst="rect">
+            <a:avLst/>
+          </a:prstGeom>
+        </p:spPr>
+      </p:pic>
     </p:spTree>
     <p:extLst>
       <p:ext uri="{BB962C8B-B14F-4D97-AF65-F5344CB8AC3E}">
@@ -16904,6 +17564,36 @@
           </a:p>
         </p:txBody>
       </p:sp>
+      <p:pic>
+        <p:nvPicPr>
+          <p:cNvPr id="4" name="图片 3">
+            <a:extLst>
+              <a:ext uri="{FF2B5EF4-FFF2-40B4-BE49-F238E27FC236}">
+                <a16:creationId xmlns:a16="http://schemas.microsoft.com/office/drawing/2014/main" id="{C89722B4-289C-9324-7CCC-93BC7EEDEE34}"/>
+              </a:ext>
+            </a:extLst>
+          </p:cNvPr>
+          <p:cNvPicPr>
+            <a:picLocks noChangeAspect="1"/>
+          </p:cNvPicPr>
+          <p:nvPr/>
+        </p:nvPicPr>
+        <p:blipFill>
+          <a:blip r:embed="rId2"/>
+          <a:stretch>
+            <a:fillRect/>
+          </a:stretch>
+        </p:blipFill>
+        <p:spPr>
+          <a:xfrm>
+            <a:off x="6877686" y="7620"/>
+            <a:ext cx="3772535" cy="673100"/>
+          </a:xfrm>
+          <a:prstGeom prst="rect">
+            <a:avLst/>
+          </a:prstGeom>
+        </p:spPr>
+      </p:pic>
     </p:spTree>
     <p:extLst>
       <p:ext uri="{BB962C8B-B14F-4D97-AF65-F5344CB8AC3E}">
@@ -17116,6 +17806,36 @@
           </a:p>
         </p:txBody>
       </p:sp>
+      <p:pic>
+        <p:nvPicPr>
+          <p:cNvPr id="4" name="图片 3">
+            <a:extLst>
+              <a:ext uri="{FF2B5EF4-FFF2-40B4-BE49-F238E27FC236}">
+                <a16:creationId xmlns:a16="http://schemas.microsoft.com/office/drawing/2014/main" id="{F8CB14DA-1C55-DB90-B966-DC38C62ED82F}"/>
+              </a:ext>
+            </a:extLst>
+          </p:cNvPr>
+          <p:cNvPicPr>
+            <a:picLocks noChangeAspect="1"/>
+          </p:cNvPicPr>
+          <p:nvPr/>
+        </p:nvPicPr>
+        <p:blipFill>
+          <a:blip r:embed="rId2"/>
+          <a:stretch>
+            <a:fillRect/>
+          </a:stretch>
+        </p:blipFill>
+        <p:spPr>
+          <a:xfrm>
+            <a:off x="6877686" y="7620"/>
+            <a:ext cx="3772535" cy="673100"/>
+          </a:xfrm>
+          <a:prstGeom prst="rect">
+            <a:avLst/>
+          </a:prstGeom>
+        </p:spPr>
+      </p:pic>
     </p:spTree>
     <p:extLst>
       <p:ext uri="{BB962C8B-B14F-4D97-AF65-F5344CB8AC3E}">
@@ -17285,6 +18005,36 @@
           <a:xfrm>
             <a:off x="7334055" y="2003032"/>
             <a:ext cx="4060825" cy="4071938"/>
+          </a:xfrm>
+          <a:prstGeom prst="rect">
+            <a:avLst/>
+          </a:prstGeom>
+        </p:spPr>
+      </p:pic>
+      <p:pic>
+        <p:nvPicPr>
+          <p:cNvPr id="6" name="图片 5">
+            <a:extLst>
+              <a:ext uri="{FF2B5EF4-FFF2-40B4-BE49-F238E27FC236}">
+                <a16:creationId xmlns:a16="http://schemas.microsoft.com/office/drawing/2014/main" id="{27E539BF-5EDC-3210-2767-35B28A07995C}"/>
+              </a:ext>
+            </a:extLst>
+          </p:cNvPr>
+          <p:cNvPicPr>
+            <a:picLocks noChangeAspect="1"/>
+          </p:cNvPicPr>
+          <p:nvPr/>
+        </p:nvPicPr>
+        <p:blipFill>
+          <a:blip r:embed="rId3"/>
+          <a:stretch>
+            <a:fillRect/>
+          </a:stretch>
+        </p:blipFill>
+        <p:spPr>
+          <a:xfrm>
+            <a:off x="6877686" y="7620"/>
+            <a:ext cx="3772535" cy="673100"/>
           </a:xfrm>
           <a:prstGeom prst="rect">
             <a:avLst/>
@@ -17395,6 +18145,36 @@
           </a:prstGeom>
         </p:spPr>
       </p:pic>
+      <p:pic>
+        <p:nvPicPr>
+          <p:cNvPr id="4" name="图片 3">
+            <a:extLst>
+              <a:ext uri="{FF2B5EF4-FFF2-40B4-BE49-F238E27FC236}">
+                <a16:creationId xmlns:a16="http://schemas.microsoft.com/office/drawing/2014/main" id="{93808C05-AC28-6EFB-AB99-CBA685C2EF97}"/>
+              </a:ext>
+            </a:extLst>
+          </p:cNvPr>
+          <p:cNvPicPr>
+            <a:picLocks noChangeAspect="1"/>
+          </p:cNvPicPr>
+          <p:nvPr/>
+        </p:nvPicPr>
+        <p:blipFill>
+          <a:blip r:embed="rId3"/>
+          <a:stretch>
+            <a:fillRect/>
+          </a:stretch>
+        </p:blipFill>
+        <p:spPr>
+          <a:xfrm>
+            <a:off x="6877686" y="7620"/>
+            <a:ext cx="3772535" cy="673100"/>
+          </a:xfrm>
+          <a:prstGeom prst="rect">
+            <a:avLst/>
+          </a:prstGeom>
+        </p:spPr>
+      </p:pic>
     </p:spTree>
     <p:extLst>
       <p:ext uri="{BB962C8B-B14F-4D97-AF65-F5344CB8AC3E}">
@@ -17524,6 +18304,36 @@
           </a:p>
         </p:txBody>
       </p:sp>
+      <p:pic>
+        <p:nvPicPr>
+          <p:cNvPr id="4" name="图片 3">
+            <a:extLst>
+              <a:ext uri="{FF2B5EF4-FFF2-40B4-BE49-F238E27FC236}">
+                <a16:creationId xmlns:a16="http://schemas.microsoft.com/office/drawing/2014/main" id="{3C9AAB18-405D-1D65-D82C-F9C2F30A2A9C}"/>
+              </a:ext>
+            </a:extLst>
+          </p:cNvPr>
+          <p:cNvPicPr>
+            <a:picLocks noChangeAspect="1"/>
+          </p:cNvPicPr>
+          <p:nvPr/>
+        </p:nvPicPr>
+        <p:blipFill>
+          <a:blip r:embed="rId2"/>
+          <a:stretch>
+            <a:fillRect/>
+          </a:stretch>
+        </p:blipFill>
+        <p:spPr>
+          <a:xfrm>
+            <a:off x="6877686" y="7620"/>
+            <a:ext cx="3772535" cy="673100"/>
+          </a:xfrm>
+          <a:prstGeom prst="rect">
+            <a:avLst/>
+          </a:prstGeom>
+        </p:spPr>
+      </p:pic>
     </p:spTree>
     <p:extLst>
       <p:ext uri="{BB962C8B-B14F-4D97-AF65-F5344CB8AC3E}">
